--- a/项目文档/文档与ppt/翻转2.pptx
+++ b/项目文档/文档与ppt/翻转2.pptx
@@ -11,6 +11,8 @@
     <p:sldId id="260" r:id="rId5"/>
     <p:sldId id="261" r:id="rId6"/>
     <p:sldId id="262" r:id="rId7"/>
+    <p:sldId id="263" r:id="rId8"/>
+    <p:sldId id="264" r:id="rId9"/>
   </p:sldIdLst>
   <p:sldSz cx="12192000" cy="6858000"/>
   <p:notesSz cx="6858000" cy="9144000"/>
@@ -109,6 +111,11 @@
       </a:defRPr>
     </a:lvl9pPr>
   </p:defaultTextStyle>
+  <p:extLst>
+    <p:ext uri="{EFAFB233-063F-42B5-8137-9DF3F51BA10A}">
+      <p15:sldGuideLst xmlns:p15="http://schemas.microsoft.com/office/powerpoint/2012/main"/>
+    </p:ext>
+  </p:extLst>
 </p:presentation>
 </file>
 
@@ -271,7 +278,7 @@
           <a:p>
             <a:fld id="{60B5B458-127F-419B-A932-4A00245662FE}" type="datetimeFigureOut">
               <a:rPr lang="zh-CN" altLang="en-US" smtClean="0"/>
-              <a:t>2021/12/8</a:t>
+              <a:t>2021/12/10</a:t>
             </a:fld>
             <a:endParaRPr lang="zh-CN" altLang="en-US"/>
           </a:p>
@@ -469,7 +476,7 @@
           <a:p>
             <a:fld id="{60B5B458-127F-419B-A932-4A00245662FE}" type="datetimeFigureOut">
               <a:rPr lang="zh-CN" altLang="en-US" smtClean="0"/>
-              <a:t>2021/12/8</a:t>
+              <a:t>2021/12/10</a:t>
             </a:fld>
             <a:endParaRPr lang="zh-CN" altLang="en-US"/>
           </a:p>
@@ -677,7 +684,7 @@
           <a:p>
             <a:fld id="{60B5B458-127F-419B-A932-4A00245662FE}" type="datetimeFigureOut">
               <a:rPr lang="zh-CN" altLang="en-US" smtClean="0"/>
-              <a:t>2021/12/8</a:t>
+              <a:t>2021/12/10</a:t>
             </a:fld>
             <a:endParaRPr lang="zh-CN" altLang="en-US"/>
           </a:p>
@@ -2857,7 +2864,7 @@
           <a:p>
             <a:fld id="{60B5B458-127F-419B-A932-4A00245662FE}" type="datetimeFigureOut">
               <a:rPr lang="zh-CN" altLang="en-US" smtClean="0"/>
-              <a:t>2021/12/8</a:t>
+              <a:t>2021/12/10</a:t>
             </a:fld>
             <a:endParaRPr lang="zh-CN" altLang="en-US"/>
           </a:p>
@@ -3132,7 +3139,7 @@
           <a:p>
             <a:fld id="{60B5B458-127F-419B-A932-4A00245662FE}" type="datetimeFigureOut">
               <a:rPr lang="zh-CN" altLang="en-US" smtClean="0"/>
-              <a:t>2021/12/8</a:t>
+              <a:t>2021/12/10</a:t>
             </a:fld>
             <a:endParaRPr lang="zh-CN" altLang="en-US"/>
           </a:p>
@@ -3397,7 +3404,7 @@
           <a:p>
             <a:fld id="{60B5B458-127F-419B-A932-4A00245662FE}" type="datetimeFigureOut">
               <a:rPr lang="zh-CN" altLang="en-US" smtClean="0"/>
-              <a:t>2021/12/8</a:t>
+              <a:t>2021/12/10</a:t>
             </a:fld>
             <a:endParaRPr lang="zh-CN" altLang="en-US"/>
           </a:p>
@@ -3809,7 +3816,7 @@
           <a:p>
             <a:fld id="{60B5B458-127F-419B-A932-4A00245662FE}" type="datetimeFigureOut">
               <a:rPr lang="zh-CN" altLang="en-US" smtClean="0"/>
-              <a:t>2021/12/8</a:t>
+              <a:t>2021/12/10</a:t>
             </a:fld>
             <a:endParaRPr lang="zh-CN" altLang="en-US"/>
           </a:p>
@@ -3950,7 +3957,7 @@
           <a:p>
             <a:fld id="{60B5B458-127F-419B-A932-4A00245662FE}" type="datetimeFigureOut">
               <a:rPr lang="zh-CN" altLang="en-US" smtClean="0"/>
-              <a:t>2021/12/8</a:t>
+              <a:t>2021/12/10</a:t>
             </a:fld>
             <a:endParaRPr lang="zh-CN" altLang="en-US"/>
           </a:p>
@@ -4063,7 +4070,7 @@
           <a:p>
             <a:fld id="{60B5B458-127F-419B-A932-4A00245662FE}" type="datetimeFigureOut">
               <a:rPr lang="zh-CN" altLang="en-US" smtClean="0"/>
-              <a:t>2021/12/8</a:t>
+              <a:t>2021/12/10</a:t>
             </a:fld>
             <a:endParaRPr lang="zh-CN" altLang="en-US"/>
           </a:p>
@@ -4374,7 +4381,7 @@
           <a:p>
             <a:fld id="{60B5B458-127F-419B-A932-4A00245662FE}" type="datetimeFigureOut">
               <a:rPr lang="zh-CN" altLang="en-US" smtClean="0"/>
-              <a:t>2021/12/8</a:t>
+              <a:t>2021/12/10</a:t>
             </a:fld>
             <a:endParaRPr lang="zh-CN" altLang="en-US"/>
           </a:p>
@@ -4662,7 +4669,7 @@
           <a:p>
             <a:fld id="{60B5B458-127F-419B-A932-4A00245662FE}" type="datetimeFigureOut">
               <a:rPr lang="zh-CN" altLang="en-US" smtClean="0"/>
-              <a:t>2021/12/8</a:t>
+              <a:t>2021/12/10</a:t>
             </a:fld>
             <a:endParaRPr lang="zh-CN" altLang="en-US"/>
           </a:p>
@@ -4903,7 +4910,7 @@
           <a:p>
             <a:fld id="{60B5B458-127F-419B-A932-4A00245662FE}" type="datetimeFigureOut">
               <a:rPr lang="zh-CN" altLang="en-US" smtClean="0"/>
-              <a:t>2021/12/8</a:t>
+              <a:t>2021/12/10</a:t>
             </a:fld>
             <a:endParaRPr lang="zh-CN" altLang="en-US"/>
           </a:p>
@@ -8107,6 +8114,241 @@
 </p:sld>
 </file>
 
+<file path=ppt/slides/slide7.xml><?xml version="1.0" encoding="utf-8"?>
+<p:sld xmlns:a="http://schemas.openxmlformats.org/drawingml/2006/main" xmlns:r="http://schemas.openxmlformats.org/officeDocument/2006/relationships" xmlns:p="http://schemas.openxmlformats.org/presentationml/2006/main">
+  <p:cSld>
+    <p:spTree>
+      <p:nvGrpSpPr>
+        <p:cNvPr id="1" name=""/>
+        <p:cNvGrpSpPr/>
+        <p:nvPr/>
+      </p:nvGrpSpPr>
+      <p:grpSpPr>
+        <a:xfrm>
+          <a:off x="0" y="0"/>
+          <a:ext cx="0" cy="0"/>
+          <a:chOff x="0" y="0"/>
+          <a:chExt cx="0" cy="0"/>
+        </a:xfrm>
+      </p:grpSpPr>
+      <p:pic>
+        <p:nvPicPr>
+          <p:cNvPr id="3" name="图片 2">
+            <a:extLst>
+              <a:ext uri="{FF2B5EF4-FFF2-40B4-BE49-F238E27FC236}">
+                <a16:creationId xmlns:a16="http://schemas.microsoft.com/office/drawing/2014/main" id="{28D74CBA-5E3C-4445-80E3-088277DAC7AD}"/>
+              </a:ext>
+            </a:extLst>
+          </p:cNvPr>
+          <p:cNvPicPr>
+            <a:picLocks noChangeAspect="1"/>
+          </p:cNvPicPr>
+          <p:nvPr/>
+        </p:nvPicPr>
+        <p:blipFill>
+          <a:blip r:embed="rId2"/>
+          <a:stretch>
+            <a:fillRect/>
+          </a:stretch>
+        </p:blipFill>
+        <p:spPr>
+          <a:xfrm>
+            <a:off x="61123" y="2119726"/>
+            <a:ext cx="5908768" cy="3855680"/>
+          </a:xfrm>
+          <a:prstGeom prst="rect">
+            <a:avLst/>
+          </a:prstGeom>
+        </p:spPr>
+      </p:pic>
+      <p:sp>
+        <p:nvSpPr>
+          <p:cNvPr id="4" name="矩形 3">
+            <a:extLst>
+              <a:ext uri="{FF2B5EF4-FFF2-40B4-BE49-F238E27FC236}">
+                <a16:creationId xmlns:a16="http://schemas.microsoft.com/office/drawing/2014/main" id="{9C3A24EF-6C97-48E0-9304-7FEA059B2785}"/>
+              </a:ext>
+            </a:extLst>
+          </p:cNvPr>
+          <p:cNvSpPr/>
+          <p:nvPr/>
+        </p:nvSpPr>
+        <p:spPr>
+          <a:xfrm>
+            <a:off x="4469620" y="882594"/>
+            <a:ext cx="3000542" cy="523220"/>
+          </a:xfrm>
+          <a:prstGeom prst="rect">
+            <a:avLst/>
+          </a:prstGeom>
+          <a:noFill/>
+        </p:spPr>
+        <p:txBody>
+          <a:bodyPr wrap="square" lIns="91440" tIns="45720" rIns="91440" bIns="45720">
+            <a:spAutoFit/>
+          </a:bodyPr>
+          <a:lstStyle/>
+          <a:p>
+            <a:pPr algn="ctr"/>
+            <a:r>
+              <a:rPr lang="zh-CN" altLang="en-US" sz="2800" b="0" cap="none" spc="0" dirty="0">
+                <a:ln w="0"/>
+                <a:solidFill>
+                  <a:schemeClr val="accent3">
+                    <a:lumMod val="50000"/>
+                  </a:schemeClr>
+                </a:solidFill>
+                <a:effectLst>
+                  <a:outerShdw blurRad="38100" dist="19050" dir="2700000" algn="tl" rotWithShape="0">
+                    <a:schemeClr val="dk1">
+                      <a:alpha val="40000"/>
+                    </a:schemeClr>
+                  </a:outerShdw>
+                </a:effectLst>
+              </a:rPr>
+              <a:t>分工与绩效评审</a:t>
+            </a:r>
+          </a:p>
+        </p:txBody>
+      </p:sp>
+      <p:pic>
+        <p:nvPicPr>
+          <p:cNvPr id="6" name="图片 5">
+            <a:extLst>
+              <a:ext uri="{FF2B5EF4-FFF2-40B4-BE49-F238E27FC236}">
+                <a16:creationId xmlns:a16="http://schemas.microsoft.com/office/drawing/2014/main" id="{87C71B6A-DDBA-4CE8-85F9-77FDCCFCA56A}"/>
+              </a:ext>
+            </a:extLst>
+          </p:cNvPr>
+          <p:cNvPicPr>
+            <a:picLocks noChangeAspect="1"/>
+          </p:cNvPicPr>
+          <p:nvPr/>
+        </p:nvPicPr>
+        <p:blipFill>
+          <a:blip r:embed="rId3"/>
+          <a:stretch>
+            <a:fillRect/>
+          </a:stretch>
+        </p:blipFill>
+        <p:spPr>
+          <a:xfrm>
+            <a:off x="6143232" y="2119726"/>
+            <a:ext cx="5987645" cy="3855680"/>
+          </a:xfrm>
+          <a:prstGeom prst="rect">
+            <a:avLst/>
+          </a:prstGeom>
+        </p:spPr>
+      </p:pic>
+    </p:spTree>
+    <p:extLst>
+      <p:ext uri="{BB962C8B-B14F-4D97-AF65-F5344CB8AC3E}">
+        <p14:creationId xmlns:p14="http://schemas.microsoft.com/office/powerpoint/2010/main" val="1749403705"/>
+      </p:ext>
+    </p:extLst>
+  </p:cSld>
+  <p:clrMapOvr>
+    <a:masterClrMapping/>
+  </p:clrMapOvr>
+</p:sld>
+</file>
+
+<file path=ppt/slides/slide8.xml><?xml version="1.0" encoding="utf-8"?>
+<p:sld xmlns:a="http://schemas.openxmlformats.org/drawingml/2006/main" xmlns:r="http://schemas.openxmlformats.org/officeDocument/2006/relationships" xmlns:p="http://schemas.openxmlformats.org/presentationml/2006/main">
+  <p:cSld>
+    <p:spTree>
+      <p:nvGrpSpPr>
+        <p:cNvPr id="1" name=""/>
+        <p:cNvGrpSpPr/>
+        <p:nvPr/>
+      </p:nvGrpSpPr>
+      <p:grpSpPr>
+        <a:xfrm>
+          <a:off x="0" y="0"/>
+          <a:ext cx="0" cy="0"/>
+          <a:chOff x="0" y="0"/>
+          <a:chExt cx="0" cy="0"/>
+        </a:xfrm>
+      </p:grpSpPr>
+      <p:sp>
+        <p:nvSpPr>
+          <p:cNvPr id="2" name="矩形 1">
+            <a:extLst>
+              <a:ext uri="{FF2B5EF4-FFF2-40B4-BE49-F238E27FC236}">
+                <a16:creationId xmlns:a16="http://schemas.microsoft.com/office/drawing/2014/main" id="{C2F6E626-9DC4-4669-8634-C70C82A2AFBA}"/>
+              </a:ext>
+            </a:extLst>
+          </p:cNvPr>
+          <p:cNvSpPr/>
+          <p:nvPr/>
+        </p:nvSpPr>
+        <p:spPr>
+          <a:xfrm>
+            <a:off x="4469620" y="739470"/>
+            <a:ext cx="3000542" cy="523220"/>
+          </a:xfrm>
+          <a:prstGeom prst="rect">
+            <a:avLst/>
+          </a:prstGeom>
+          <a:noFill/>
+        </p:spPr>
+        <p:txBody>
+          <a:bodyPr wrap="square" lIns="91440" tIns="45720" rIns="91440" bIns="45720">
+            <a:spAutoFit/>
+          </a:bodyPr>
+          <a:lstStyle/>
+          <a:p>
+            <a:pPr algn="ctr"/>
+            <a:r>
+              <a:rPr lang="zh-CN" altLang="en-US" sz="2800" dirty="0">
+                <a:ln w="0"/>
+                <a:solidFill>
+                  <a:schemeClr val="accent3">
+                    <a:lumMod val="50000"/>
+                  </a:schemeClr>
+                </a:solidFill>
+                <a:effectLst>
+                  <a:outerShdw blurRad="38100" dist="19050" dir="2700000" algn="tl" rotWithShape="0">
+                    <a:schemeClr val="dk1">
+                      <a:alpha val="40000"/>
+                    </a:schemeClr>
+                  </a:outerShdw>
+                </a:effectLst>
+              </a:rPr>
+              <a:t>参考文献</a:t>
+            </a:r>
+            <a:endParaRPr lang="zh-CN" altLang="en-US" sz="2800" b="0" cap="none" spc="0" dirty="0">
+              <a:ln w="0"/>
+              <a:solidFill>
+                <a:schemeClr val="accent3">
+                  <a:lumMod val="50000"/>
+                </a:schemeClr>
+              </a:solidFill>
+              <a:effectLst>
+                <a:outerShdw blurRad="38100" dist="19050" dir="2700000" algn="tl" rotWithShape="0">
+                  <a:schemeClr val="dk1">
+                    <a:alpha val="40000"/>
+                  </a:schemeClr>
+                </a:outerShdw>
+              </a:effectLst>
+            </a:endParaRPr>
+          </a:p>
+        </p:txBody>
+      </p:sp>
+    </p:spTree>
+    <p:extLst>
+      <p:ext uri="{BB962C8B-B14F-4D97-AF65-F5344CB8AC3E}">
+        <p14:creationId xmlns:p14="http://schemas.microsoft.com/office/powerpoint/2010/main" val="885469018"/>
+      </p:ext>
+    </p:extLst>
+  </p:cSld>
+  <p:clrMapOvr>
+    <a:masterClrMapping/>
+  </p:clrMapOvr>
+</p:sld>
+</file>
+
 <file path=ppt/theme/theme1.xml><?xml version="1.0" encoding="utf-8"?>
 <a:theme xmlns:a="http://schemas.openxmlformats.org/drawingml/2006/main" name="Office 主题​​">
   <a:themeElements>
